--- a/Lab1/WeatherStationArchitecture-4BFEE626.pptx
+++ b/Lab1/WeatherStationArchitecture-4BFEE626.pptx
@@ -4406,42 +4406,6 @@
             </a:p>
           </p:txBody>
         </p:sp>
-        <p:pic>
-          <p:nvPicPr>
-            <p:cNvPr id="63" name="Picture 62">
-              <a:extLst>
-                <a:ext uri="{FF2B5EF4-FFF2-40B4-BE49-F238E27FC236}">
-                  <a16:creationId xmlns:a16="http://schemas.microsoft.com/office/drawing/2014/main" id="{F893AEC6-2F9E-4B42-B1B9-28B5D52C646D}"/>
-                </a:ext>
-              </a:extLst>
-            </p:cNvPr>
-            <p:cNvPicPr>
-              <a:picLocks noChangeAspect="1"/>
-            </p:cNvPicPr>
-            <p:nvPr/>
-          </p:nvPicPr>
-          <p:blipFill>
-            <a:blip r:embed="rId7">
-              <a:extLst>
-                <a:ext uri="{28A0092B-C50C-407E-A947-70E740481C1C}">
-                  <a14:useLocalDpi xmlns:a14="http://schemas.microsoft.com/office/drawing/2010/main" val="0"/>
-                </a:ext>
-              </a:extLst>
-            </a:blip>
-            <a:stretch>
-              <a:fillRect/>
-            </a:stretch>
-          </p:blipFill>
-          <p:spPr>
-            <a:xfrm>
-              <a:off x="1199274" y="2589681"/>
-              <a:ext cx="1158883" cy="1121428"/>
-            </a:xfrm>
-            <a:prstGeom prst="rect">
-              <a:avLst/>
-            </a:prstGeom>
-          </p:spPr>
-        </p:pic>
         <p:sp>
           <p:nvSpPr>
             <p:cNvPr id="64" name="Rectangle 63">
@@ -4456,8 +4420,8 @@
           </p:nvSpPr>
           <p:spPr>
             <a:xfrm>
-              <a:off x="1004823" y="3767490"/>
-              <a:ext cx="1940999" cy="257697"/>
+              <a:off x="1100311" y="4237726"/>
+              <a:ext cx="1940999" cy="276999"/>
             </a:xfrm>
             <a:prstGeom prst="rect">
               <a:avLst/>
@@ -4472,7 +4436,7 @@
               <a:pPr algn="ctr"/>
               <a:r>
                 <a:rPr lang="en-US" sz="1200" dirty="0"/>
-                <a:t>Wind Farm  Simulator</a:t>
+                <a:t>Weather station  Simulator</a:t>
               </a:r>
               <a:endParaRPr lang="en-NL" sz="1200" dirty="0"/>
             </a:p>
@@ -4840,6 +4804,36 @@
           </p:txBody>
         </p:sp>
       </p:grpSp>
+      <p:pic>
+        <p:nvPicPr>
+          <p:cNvPr id="3" name="Picture 2">
+            <a:extLst>
+              <a:ext uri="{FF2B5EF4-FFF2-40B4-BE49-F238E27FC236}">
+                <a16:creationId xmlns:a16="http://schemas.microsoft.com/office/drawing/2014/main" id="{D101F122-80B8-4884-817E-343C34E99E1E}"/>
+              </a:ext>
+            </a:extLst>
+          </p:cNvPr>
+          <p:cNvPicPr>
+            <a:picLocks noChangeAspect="1"/>
+          </p:cNvPicPr>
+          <p:nvPr/>
+        </p:nvPicPr>
+        <p:blipFill>
+          <a:blip r:embed="rId7"/>
+          <a:stretch>
+            <a:fillRect/>
+          </a:stretch>
+        </p:blipFill>
+        <p:spPr>
+          <a:xfrm>
+            <a:off x="1422228" y="2714776"/>
+            <a:ext cx="1010880" cy="1468140"/>
+          </a:xfrm>
+          <a:prstGeom prst="rect">
+            <a:avLst/>
+          </a:prstGeom>
+        </p:spPr>
+      </p:pic>
     </p:spTree>
     <p:extLst>
       <p:ext uri="{BB962C8B-B14F-4D97-AF65-F5344CB8AC3E}">
